--- a/Boot Camp 2.pptx
+++ b/Boot Camp 2.pptx
@@ -5,7 +5,7 @@
     <p:sldMasterId id="2147483732" r:id="rId1"/>
   </p:sldMasterIdLst>
   <p:notesMasterIdLst>
-    <p:notesMasterId r:id="rId57"/>
+    <p:notesMasterId r:id="rId59"/>
   </p:notesMasterIdLst>
   <p:sldIdLst>
     <p:sldId id="291" r:id="rId2"/>
@@ -63,6 +63,8 @@
     <p:sldId id="449" r:id="rId54"/>
     <p:sldId id="451" r:id="rId55"/>
     <p:sldId id="452" r:id="rId56"/>
+    <p:sldId id="455" r:id="rId57"/>
+    <p:sldId id="456" r:id="rId58"/>
   </p:sldIdLst>
   <p:sldSz cx="9144000" cy="6858000" type="screen4x3"/>
   <p:notesSz cx="6858000" cy="9144000"/>
@@ -178,10 +180,6 @@
     </p:ext>
   </p:extLst>
 </p:presentation>
-</file>
-
-<file path=ppt/revisionInfo.xml><?xml version="1.0" encoding="utf-8"?>
-<p1510:revInfo xmlns:a="http://schemas.openxmlformats.org/drawingml/2006/main" xmlns:r="http://schemas.openxmlformats.org/officeDocument/2006/relationships" xmlns:p1510="http://schemas.microsoft.com/office/powerpoint/2015/10/main"/>
 </file>
 
 <file path=ppt/notesMasters/notesMaster1.xml><?xml version="1.0" encoding="utf-8"?>
@@ -668,312 +666,11 @@
           <a:bodyPr/>
           <a:lstStyle/>
           <a:p>
-            <a:r>
-              <a:rPr lang="en-US" dirty="0">
-                <a:solidFill>
-                  <a:schemeClr val="bg1"/>
-                </a:solidFill>
-              </a:rPr>
-              <a:t>vec &lt;- </a:t>
-            </a:r>
-            <a:r>
-              <a:rPr lang="en-US" dirty="0" err="1">
-                <a:solidFill>
-                  <a:schemeClr val="bg1"/>
-                </a:solidFill>
-              </a:rPr>
-              <a:t>data.frame</a:t>
-            </a:r>
-            <a:r>
-              <a:rPr lang="en-US" dirty="0">
-                <a:solidFill>
-                  <a:schemeClr val="bg1"/>
-                </a:solidFill>
-              </a:rPr>
-              <a:t>(table(</a:t>
-            </a:r>
-            <a:r>
-              <a:rPr lang="en-US" dirty="0" err="1">
-                <a:solidFill>
-                  <a:schemeClr val="bg1"/>
-                </a:solidFill>
-              </a:rPr>
-              <a:t>quakes$stations</a:t>
-            </a:r>
-            <a:r>
-              <a:rPr lang="en-US" dirty="0">
-                <a:solidFill>
-                  <a:schemeClr val="bg1"/>
-                </a:solidFill>
-              </a:rPr>
-              <a:t>))</a:t>
-            </a:r>
-          </a:p>
-          <a:p>
-            <a:r>
-              <a:rPr lang="en-US" dirty="0">
-                <a:solidFill>
-                  <a:schemeClr val="bg1"/>
-                </a:solidFill>
-              </a:rPr>
-              <a:t> stat &lt;- vec[</a:t>
-            </a:r>
-            <a:r>
-              <a:rPr lang="en-US" dirty="0" err="1">
-                <a:solidFill>
-                  <a:schemeClr val="bg1"/>
-                </a:solidFill>
-              </a:rPr>
-              <a:t>vec$Freq</a:t>
-            </a:r>
-            <a:r>
-              <a:rPr lang="en-US" dirty="0">
-                <a:solidFill>
-                  <a:schemeClr val="bg1"/>
-                </a:solidFill>
-              </a:rPr>
-              <a:t> &gt; 20,"Var1"]</a:t>
-            </a:r>
-          </a:p>
-          <a:p>
-            <a:r>
-              <a:rPr lang="en-US" dirty="0">
-                <a:solidFill>
-                  <a:schemeClr val="bg1"/>
-                </a:solidFill>
-              </a:rPr>
-              <a:t> </a:t>
-            </a:r>
-            <a:r>
-              <a:rPr lang="en-US" dirty="0" err="1">
-                <a:solidFill>
-                  <a:schemeClr val="bg1"/>
-                </a:solidFill>
-              </a:rPr>
-              <a:t>corr</a:t>
-            </a:r>
-            <a:r>
-              <a:rPr lang="en-US" dirty="0">
-                <a:solidFill>
-                  <a:schemeClr val="bg1"/>
-                </a:solidFill>
-              </a:rPr>
-              <a:t> &lt;- NULL</a:t>
-            </a:r>
-          </a:p>
-          <a:p>
-            <a:r>
-              <a:rPr lang="en-US" dirty="0">
-                <a:solidFill>
-                  <a:schemeClr val="bg1"/>
-                </a:solidFill>
-              </a:rPr>
-              <a:t> for(</a:t>
-            </a:r>
-            <a:r>
-              <a:rPr lang="en-US" dirty="0" err="1">
-                <a:solidFill>
-                  <a:schemeClr val="bg1"/>
-                </a:solidFill>
-              </a:rPr>
-              <a:t>i</a:t>
-            </a:r>
-            <a:r>
-              <a:rPr lang="en-US" dirty="0">
-                <a:solidFill>
-                  <a:schemeClr val="bg1"/>
-                </a:solidFill>
-              </a:rPr>
-              <a:t> in 1:length(stat))</a:t>
-            </a:r>
-          </a:p>
-          <a:p>
-            <a:r>
-              <a:rPr lang="en-US" dirty="0">
-                <a:solidFill>
-                  <a:schemeClr val="bg1"/>
-                </a:solidFill>
-              </a:rPr>
-              <a:t> {</a:t>
-            </a:r>
-          </a:p>
-          <a:p>
-            <a:r>
-              <a:rPr lang="en-US" dirty="0">
-                <a:solidFill>
-                  <a:schemeClr val="bg1"/>
-                </a:solidFill>
-              </a:rPr>
-              <a:t>   temp &lt;- quakes[</a:t>
-            </a:r>
-            <a:r>
-              <a:rPr lang="en-US" dirty="0" err="1">
-                <a:solidFill>
-                  <a:schemeClr val="bg1"/>
-                </a:solidFill>
-              </a:rPr>
-              <a:t>quakes$stations</a:t>
-            </a:r>
-            <a:r>
-              <a:rPr lang="en-US" dirty="0">
-                <a:solidFill>
-                  <a:schemeClr val="bg1"/>
-                </a:solidFill>
-              </a:rPr>
-              <a:t>==stat[</a:t>
-            </a:r>
-            <a:r>
-              <a:rPr lang="en-US" dirty="0" err="1">
-                <a:solidFill>
-                  <a:schemeClr val="bg1"/>
-                </a:solidFill>
-              </a:rPr>
-              <a:t>i</a:t>
-            </a:r>
-            <a:r>
-              <a:rPr lang="en-US" dirty="0">
-                <a:solidFill>
-                  <a:schemeClr val="bg1"/>
-                </a:solidFill>
-              </a:rPr>
-              <a:t>],c("</a:t>
-            </a:r>
-            <a:r>
-              <a:rPr lang="en-US" dirty="0" err="1">
-                <a:solidFill>
-                  <a:schemeClr val="bg1"/>
-                </a:solidFill>
-              </a:rPr>
-              <a:t>mag","depth</a:t>
-            </a:r>
-            <a:r>
-              <a:rPr lang="en-US" dirty="0">
-                <a:solidFill>
-                  <a:schemeClr val="bg1"/>
-                </a:solidFill>
-              </a:rPr>
-              <a:t>")]</a:t>
-            </a:r>
-          </a:p>
-          <a:p>
-            <a:r>
-              <a:rPr lang="en-US" dirty="0">
-                <a:solidFill>
-                  <a:schemeClr val="bg1"/>
-                </a:solidFill>
-              </a:rPr>
-              <a:t>   </a:t>
-            </a:r>
-            <a:r>
-              <a:rPr lang="en-US" dirty="0" err="1">
-                <a:solidFill>
-                  <a:schemeClr val="bg1"/>
-                </a:solidFill>
-              </a:rPr>
-              <a:t>corr</a:t>
-            </a:r>
-            <a:r>
-              <a:rPr lang="en-US" dirty="0">
-                <a:solidFill>
-                  <a:schemeClr val="bg1"/>
-                </a:solidFill>
-              </a:rPr>
-              <a:t>[</a:t>
-            </a:r>
-            <a:r>
-              <a:rPr lang="en-US" dirty="0" err="1">
-                <a:solidFill>
-                  <a:schemeClr val="bg1"/>
-                </a:solidFill>
-              </a:rPr>
-              <a:t>i</a:t>
-            </a:r>
-            <a:r>
-              <a:rPr lang="en-US" dirty="0">
-                <a:solidFill>
-                  <a:schemeClr val="bg1"/>
-                </a:solidFill>
-              </a:rPr>
-              <a:t>] &lt;- </a:t>
-            </a:r>
-            <a:r>
-              <a:rPr lang="en-US" dirty="0" err="1">
-                <a:solidFill>
-                  <a:schemeClr val="bg1"/>
-                </a:solidFill>
-              </a:rPr>
-              <a:t>cor</a:t>
-            </a:r>
-            <a:r>
-              <a:rPr lang="en-US" dirty="0">
-                <a:solidFill>
-                  <a:schemeClr val="bg1"/>
-                </a:solidFill>
-              </a:rPr>
-              <a:t>(</a:t>
-            </a:r>
-            <a:r>
-              <a:rPr lang="en-US" dirty="0" err="1">
-                <a:solidFill>
-                  <a:schemeClr val="bg1"/>
-                </a:solidFill>
-              </a:rPr>
-              <a:t>temp$mag,temp$depth</a:t>
-            </a:r>
-            <a:r>
-              <a:rPr lang="en-US" dirty="0">
-                <a:solidFill>
-                  <a:schemeClr val="bg1"/>
-                </a:solidFill>
-              </a:rPr>
-              <a:t>)</a:t>
-            </a:r>
-          </a:p>
-          <a:p>
-            <a:r>
-              <a:rPr lang="en-US" dirty="0">
-                <a:solidFill>
-                  <a:schemeClr val="bg1"/>
-                </a:solidFill>
-              </a:rPr>
-              <a:t> }</a:t>
-            </a:r>
-          </a:p>
-          <a:p>
-            <a:r>
-              <a:rPr lang="en-US" dirty="0">
-                <a:solidFill>
-                  <a:schemeClr val="bg1"/>
-                </a:solidFill>
-              </a:rPr>
-              <a:t> hist((</a:t>
-            </a:r>
-            <a:r>
-              <a:rPr lang="en-US" dirty="0" err="1">
-                <a:solidFill>
-                  <a:schemeClr val="bg1"/>
-                </a:solidFill>
-              </a:rPr>
-              <a:t>corr</a:t>
-            </a:r>
-            <a:r>
-              <a:rPr lang="en-US" dirty="0">
-                <a:solidFill>
-                  <a:schemeClr val="bg1"/>
-                </a:solidFill>
-              </a:rPr>
-              <a:t>))</a:t>
-            </a:r>
-          </a:p>
-          <a:p>
-            <a:r>
-              <a:rPr lang="en-US" dirty="0">
-                <a:solidFill>
-                  <a:schemeClr val="bg1"/>
-                </a:solidFill>
-              </a:rPr>
-              <a:t> </a:t>
-            </a:r>
+            <a:endParaRPr lang="en-US" dirty="0">
+              <a:solidFill>
+                <a:schemeClr val="bg1"/>
+              </a:solidFill>
+            </a:endParaRPr>
           </a:p>
         </p:txBody>
       </p:sp>
@@ -1357,6 +1054,30 @@
         <p:txBody>
           <a:bodyPr/>
           <a:lstStyle/>
+          <a:p>
+            <a:r>
+              <a:rPr lang="en-US" dirty="0"/>
+              <a:t>1- </a:t>
+            </a:r>
+            <a:r>
+              <a:rPr lang="en-US" dirty="0" err="1"/>
+              <a:t>pnorm</a:t>
+            </a:r>
+            <a:r>
+              <a:rPr lang="en-US" dirty="0"/>
+              <a:t>(20452,…)</a:t>
+            </a:r>
+          </a:p>
+          <a:p>
+            <a:r>
+              <a:rPr lang="en-US" dirty="0" err="1"/>
+              <a:t>Pnorm</a:t>
+            </a:r>
+            <a:r>
+              <a:rPr lang="en-US" dirty="0"/>
+              <a:t>(19,902)</a:t>
+            </a:r>
+          </a:p>
           <a:p>
             <a:endParaRPr lang="en-US" dirty="0"/>
           </a:p>
@@ -3487,7 +3208,13 @@
           <a:p>
             <a:r>
               <a:rPr lang="en-US" dirty="0"/>
-              <a:t> temp1[which(temp1$Freq==max(temp1$Freq)),1]</a:t>
+              <a:t> </a:t>
+            </a:r>
+          </a:p>
+          <a:p>
+            <a:r>
+              <a:rPr lang="en-US" dirty="0"/>
+              <a:t>temp1[which(temp1$Freq==max(temp1$Freq)),1]</a:t>
             </a:r>
           </a:p>
           <a:p>
@@ -3529,15 +3256,7 @@
           <a:p>
             <a:r>
               <a:rPr lang="en-US" dirty="0"/>
-              <a:t> ## </a:t>
-            </a:r>
-            <a:r>
-              <a:rPr lang="en-US" dirty="0" err="1"/>
-              <a:t>STrategy</a:t>
-            </a:r>
-            <a:r>
-              <a:rPr lang="en-US" dirty="0"/>
-              <a:t> for each region I will find the number of unique states and then collect them in a </a:t>
+              <a:t> ## Strategy for each region I will find the number of unique states and then collect them in a </a:t>
             </a:r>
             <a:r>
               <a:rPr lang="en-US" dirty="0" err="1"/>
@@ -8512,7 +8231,7 @@
                   </a:outerShdw>
                 </a:effectLst>
               </a:rPr>
-              <a:t>Exercise 1  </a:t>
+              <a:t>Exercise   </a:t>
             </a:r>
           </a:p>
         </p:txBody>
@@ -8556,29 +8275,7 @@
                 </a:solidFill>
                 <a:latin typeface="Georgia" panose="02040502050405020303" pitchFamily="18" charset="0"/>
               </a:rPr>
-              <a:t>There are fifty states in US and they are assigned to a total of 9 </a:t>
-            </a:r>
-            <a:r>
-              <a:rPr lang="en-US" dirty="0" err="1">
-                <a:solidFill>
-                  <a:schemeClr val="accent1">
-                    <a:lumMod val="75000"/>
-                  </a:schemeClr>
-                </a:solidFill>
-                <a:latin typeface="Georgia" panose="02040502050405020303" pitchFamily="18" charset="0"/>
-              </a:rPr>
-              <a:t>divisions.The</a:t>
-            </a:r>
-            <a:r>
-              <a:rPr lang="en-US" dirty="0">
-                <a:solidFill>
-                  <a:schemeClr val="accent1">
-                    <a:lumMod val="75000"/>
-                  </a:schemeClr>
-                </a:solidFill>
-                <a:latin typeface="Georgia" panose="02040502050405020303" pitchFamily="18" charset="0"/>
-              </a:rPr>
-              <a:t> names of the state are stored in the data vector (“state.name”) and the corresponding division is stored in the data vector (“</a:t>
+              <a:t>There are fifty states in US and they are assigned to a total of 9 divisions. The names of the state are stored in the data vector (“state.name”) and the corresponding division is stored in the data vector (“</a:t>
             </a:r>
             <a:r>
               <a:rPr lang="en-US" dirty="0" err="1">
@@ -10135,12 +9832,34 @@
             </a:endParaRPr>
           </a:p>
           <a:p>
-            <a:r>
-              <a:rPr lang="en-US" dirty="0">
-                <a:latin typeface="Georgia" panose="02040502050405020303" pitchFamily="18" charset="0"/>
-              </a:rPr>
-              <a:t>&gt; participation = sample(1:100,100,replace=T) </a:t>
-            </a:r>
+            <a:pPr marL="285750" indent="-285750">
+              <a:buFont typeface="Wingdings" panose="05000000000000000000" pitchFamily="2" charset="2"/>
+              <a:buChar char="Ø"/>
+            </a:pPr>
+            <a:r>
+              <a:rPr lang="en-US" sz="1600" dirty="0">
+                <a:latin typeface="Georgia" panose="02040502050405020303" pitchFamily="18" charset="0"/>
+              </a:rPr>
+              <a:t>participation = </a:t>
+            </a:r>
+            <a:r>
+              <a:rPr lang="en-US" sz="1600" b="1" dirty="0">
+                <a:latin typeface="Georgia" panose="02040502050405020303" pitchFamily="18" charset="0"/>
+              </a:rPr>
+              <a:t>sample</a:t>
+            </a:r>
+            <a:r>
+              <a:rPr lang="en-US" sz="1600" dirty="0">
+                <a:latin typeface="Georgia" panose="02040502050405020303" pitchFamily="18" charset="0"/>
+              </a:rPr>
+              <a:t>(1:100,100,replace=T) </a:t>
+            </a:r>
+          </a:p>
+          <a:p>
+            <a:pPr marL="285750" indent="-285750">
+              <a:buFont typeface="Wingdings" panose="05000000000000000000" pitchFamily="2" charset="2"/>
+              <a:buChar char="Ø"/>
+            </a:pPr>
             <a:r>
               <a:rPr lang="en-US" dirty="0">
                 <a:solidFill>
@@ -10275,7 +9994,51 @@
                 </a:solidFill>
                 <a:latin typeface="Georgia" panose="02040502050405020303" pitchFamily="18" charset="0"/>
               </a:rPr>
-              <a:t>Displaying data using plots such as histograms gives us visual insights but does not tell about the mean and spread of the data. Therefore, numerical descriptive techniques are used to describe the data. Lets assume that the </a:t>
+              <a:t>Displaying data using plots such as histograms gives us visual insights but does not tell about the </a:t>
+            </a:r>
+            <a:r>
+              <a:rPr lang="en-US" sz="2200" b="1" dirty="0">
+                <a:solidFill>
+                  <a:schemeClr val="accent1">
+                    <a:lumMod val="50000"/>
+                  </a:schemeClr>
+                </a:solidFill>
+                <a:latin typeface="Georgia" panose="02040502050405020303" pitchFamily="18" charset="0"/>
+              </a:rPr>
+              <a:t>mean </a:t>
+            </a:r>
+            <a:r>
+              <a:rPr lang="en-US" sz="2200" dirty="0">
+                <a:solidFill>
+                  <a:schemeClr val="accent1">
+                    <a:lumMod val="50000"/>
+                  </a:schemeClr>
+                </a:solidFill>
+                <a:latin typeface="Georgia" panose="02040502050405020303" pitchFamily="18" charset="0"/>
+              </a:rPr>
+              <a:t>and </a:t>
+            </a:r>
+            <a:r>
+              <a:rPr lang="en-US" sz="2200" b="1" dirty="0">
+                <a:solidFill>
+                  <a:schemeClr val="accent1">
+                    <a:lumMod val="50000"/>
+                  </a:schemeClr>
+                </a:solidFill>
+                <a:latin typeface="Georgia" panose="02040502050405020303" pitchFamily="18" charset="0"/>
+              </a:rPr>
+              <a:t>spread</a:t>
+            </a:r>
+            <a:r>
+              <a:rPr lang="en-US" sz="2200" dirty="0">
+                <a:solidFill>
+                  <a:schemeClr val="accent1">
+                    <a:lumMod val="50000"/>
+                  </a:schemeClr>
+                </a:solidFill>
+                <a:latin typeface="Georgia" panose="02040502050405020303" pitchFamily="18" charset="0"/>
+              </a:rPr>
+              <a:t> of the data. Therefore, numerical descriptive techniques are used to describe the data. Lets assume that the </a:t>
             </a:r>
           </a:p>
           <a:p>
@@ -10305,7 +10068,29 @@
                 </a:solidFill>
                 <a:latin typeface="Georgia" panose="02040502050405020303" pitchFamily="18" charset="0"/>
               </a:rPr>
-              <a:t>Measures of central location of the data distribution:  </a:t>
+              <a:t>Measures of </a:t>
+            </a:r>
+            <a:r>
+              <a:rPr lang="en-US" sz="2200" b="1" dirty="0">
+                <a:solidFill>
+                  <a:schemeClr val="accent1">
+                    <a:lumMod val="50000"/>
+                  </a:schemeClr>
+                </a:solidFill>
+                <a:latin typeface="Georgia" panose="02040502050405020303" pitchFamily="18" charset="0"/>
+              </a:rPr>
+              <a:t>central </a:t>
+            </a:r>
+            <a:r>
+              <a:rPr lang="en-US" sz="2200" dirty="0">
+                <a:solidFill>
+                  <a:schemeClr val="accent1">
+                    <a:lumMod val="50000"/>
+                  </a:schemeClr>
+                </a:solidFill>
+                <a:latin typeface="Georgia" panose="02040502050405020303" pitchFamily="18" charset="0"/>
+              </a:rPr>
+              <a:t>location of the data distribution:  </a:t>
             </a:r>
           </a:p>
           <a:p>
@@ -10317,6 +10102,17 @@
               <a:buChar char="§"/>
             </a:pPr>
             <a:r>
+              <a:rPr lang="en-US" sz="2200" b="1" dirty="0">
+                <a:solidFill>
+                  <a:schemeClr val="accent1">
+                    <a:lumMod val="50000"/>
+                  </a:schemeClr>
+                </a:solidFill>
+                <a:latin typeface="Georgia" panose="02040502050405020303" pitchFamily="18" charset="0"/>
+              </a:rPr>
+              <a:t>Mean </a:t>
+            </a:r>
+            <a:r>
               <a:rPr lang="en-US" sz="2200" dirty="0">
                 <a:solidFill>
                   <a:schemeClr val="accent1">
@@ -10325,7 +10121,7 @@
                 </a:solidFill>
                 <a:latin typeface="Georgia" panose="02040502050405020303" pitchFamily="18" charset="0"/>
               </a:rPr>
-              <a:t>Mean - arithmetic average ( R &gt; mean(</a:t>
+              <a:t>- arithmetic average ( R &gt; mean(</a:t>
             </a:r>
             <a:r>
               <a:rPr lang="en-US" sz="2200" dirty="0" err="1">
@@ -10359,6 +10155,17 @@
               <a:buChar char="§"/>
             </a:pPr>
             <a:r>
+              <a:rPr lang="en-US" sz="2200" b="1" dirty="0">
+                <a:solidFill>
+                  <a:schemeClr val="accent1">
+                    <a:lumMod val="50000"/>
+                  </a:schemeClr>
+                </a:solidFill>
+                <a:latin typeface="Georgia" panose="02040502050405020303" pitchFamily="18" charset="0"/>
+              </a:rPr>
+              <a:t>Median</a:t>
+            </a:r>
+            <a:r>
               <a:rPr lang="en-US" sz="2200" dirty="0">
                 <a:solidFill>
                   <a:schemeClr val="accent1">
@@ -10367,7 +10174,7 @@
                 </a:solidFill>
                 <a:latin typeface="Georgia" panose="02040502050405020303" pitchFamily="18" charset="0"/>
               </a:rPr>
-              <a:t>Median - middle of the ordered data (&gt; median(data))</a:t>
+              <a:t> - middle of the ordered data (&gt; median(data))</a:t>
             </a:r>
           </a:p>
           <a:p>
@@ -10379,6 +10186,17 @@
               <a:buChar char="§"/>
             </a:pPr>
             <a:r>
+              <a:rPr lang="en-US" sz="2200" b="1" dirty="0">
+                <a:solidFill>
+                  <a:schemeClr val="accent1">
+                    <a:lumMod val="50000"/>
+                  </a:schemeClr>
+                </a:solidFill>
+                <a:latin typeface="Georgia" panose="02040502050405020303" pitchFamily="18" charset="0"/>
+              </a:rPr>
+              <a:t>Mode</a:t>
+            </a:r>
+            <a:r>
               <a:rPr lang="en-US" sz="2200" dirty="0">
                 <a:solidFill>
                   <a:schemeClr val="accent1">
@@ -10387,7 +10205,7 @@
                 </a:solidFill>
                 <a:latin typeface="Georgia" panose="02040502050405020303" pitchFamily="18" charset="0"/>
               </a:rPr>
-              <a:t>Mode - most frequent value in the data vector (No built in function in R, what to do)</a:t>
+              <a:t> - most frequent value in the data vector (No built in function in R, what to do)</a:t>
             </a:r>
           </a:p>
           <a:p>
@@ -10490,7 +10308,13 @@
                     <a:lumMod val="75000"/>
                   </a:schemeClr>
                 </a:solidFill>
-                <a:latin typeface="Georgia" panose="02040502050405020303" pitchFamily="18" charset="0"/>
+                <a:effectLst>
+                  <a:outerShdw blurRad="38100" dist="38100" dir="2700000" algn="tl">
+                    <a:srgbClr val="000000">
+                      <a:alpha val="43137"/>
+                    </a:srgbClr>
+                  </a:outerShdw>
+                </a:effectLst>
               </a:rPr>
               <a:t>Key Points </a:t>
             </a:r>
@@ -10758,6 +10582,13 @@
                     <a:lumMod val="75000"/>
                   </a:schemeClr>
                 </a:solidFill>
+                <a:effectLst>
+                  <a:outerShdw blurRad="38100" dist="38100" dir="2700000" algn="tl">
+                    <a:srgbClr val="000000">
+                      <a:alpha val="43137"/>
+                    </a:srgbClr>
+                  </a:outerShdw>
+                </a:effectLst>
               </a:rPr>
               <a:t>Measures of Variation</a:t>
             </a:r>
@@ -10803,7 +10634,29 @@
                 </a:solidFill>
                 <a:latin typeface="Georgia" panose="02040502050405020303" pitchFamily="18" charset="0"/>
               </a:rPr>
-              <a:t> Informs about the spread of data across the mean. </a:t>
+              <a:t> Informs about the </a:t>
+            </a:r>
+            <a:r>
+              <a:rPr lang="en-US" sz="2000" b="1" dirty="0">
+                <a:solidFill>
+                  <a:schemeClr val="accent1">
+                    <a:lumMod val="75000"/>
+                  </a:schemeClr>
+                </a:solidFill>
+                <a:latin typeface="Georgia" panose="02040502050405020303" pitchFamily="18" charset="0"/>
+              </a:rPr>
+              <a:t>spread of data across the mean</a:t>
+            </a:r>
+            <a:r>
+              <a:rPr lang="en-US" sz="2000" dirty="0">
+                <a:solidFill>
+                  <a:schemeClr val="accent1">
+                    <a:lumMod val="75000"/>
+                  </a:schemeClr>
+                </a:solidFill>
+                <a:latin typeface="Georgia" panose="02040502050405020303" pitchFamily="18" charset="0"/>
+              </a:rPr>
+              <a:t>. </a:t>
             </a:r>
           </a:p>
           <a:p>
@@ -11126,7 +10979,73 @@
                 </a:solidFill>
                 <a:latin typeface="Georgia" panose="02040502050405020303" pitchFamily="18" charset="0"/>
               </a:rPr>
-              <a:t>Measures of variations tells about the variation in the dataset while the measures of shapes such as “Skewness” and “Kurtosis” tells about the direction of variation in the dataset. </a:t>
+              <a:t>Measures of variations tells about the variation in the dataset while the measures of shapes such as “</a:t>
+            </a:r>
+            <a:r>
+              <a:rPr lang="en-US" i="1" dirty="0">
+                <a:solidFill>
+                  <a:schemeClr val="accent1">
+                    <a:lumMod val="75000"/>
+                  </a:schemeClr>
+                </a:solidFill>
+                <a:latin typeface="Georgia" panose="02040502050405020303" pitchFamily="18" charset="0"/>
+              </a:rPr>
+              <a:t>Skewness</a:t>
+            </a:r>
+            <a:r>
+              <a:rPr lang="en-US" dirty="0">
+                <a:solidFill>
+                  <a:schemeClr val="accent1">
+                    <a:lumMod val="75000"/>
+                  </a:schemeClr>
+                </a:solidFill>
+                <a:latin typeface="Georgia" panose="02040502050405020303" pitchFamily="18" charset="0"/>
+              </a:rPr>
+              <a:t>” and “</a:t>
+            </a:r>
+            <a:r>
+              <a:rPr lang="en-US" i="1" dirty="0">
+                <a:solidFill>
+                  <a:schemeClr val="accent1">
+                    <a:lumMod val="75000"/>
+                  </a:schemeClr>
+                </a:solidFill>
+                <a:latin typeface="Georgia" panose="02040502050405020303" pitchFamily="18" charset="0"/>
+              </a:rPr>
+              <a:t>Kurtosis</a:t>
+            </a:r>
+            <a:r>
+              <a:rPr lang="en-US" dirty="0">
+                <a:solidFill>
+                  <a:schemeClr val="accent1">
+                    <a:lumMod val="75000"/>
+                  </a:schemeClr>
+                </a:solidFill>
+                <a:latin typeface="Georgia" panose="02040502050405020303" pitchFamily="18" charset="0"/>
+              </a:rPr>
+              <a:t>” tells about the </a:t>
+            </a:r>
+            <a:r>
+              <a:rPr lang="en-US" b="1" dirty="0">
+                <a:solidFill>
+                  <a:schemeClr val="accent1">
+                    <a:lumMod val="75000"/>
+                  </a:schemeClr>
+                </a:solidFill>
+                <a:latin typeface="Georgia" panose="02040502050405020303" pitchFamily="18" charset="0"/>
+              </a:rPr>
+              <a:t>direction of variation</a:t>
+            </a:r>
+            <a:r>
+              <a:rPr lang="en-US" dirty="0">
+                <a:solidFill>
+                  <a:schemeClr val="accent1">
+                    <a:lumMod val="75000"/>
+                  </a:schemeClr>
+                </a:solidFill>
+                <a:latin typeface="Georgia" panose="02040502050405020303" pitchFamily="18" charset="0"/>
+              </a:rPr>
+              <a:t> in the dataset. </a:t>
             </a:r>
           </a:p>
           <a:p>
@@ -11711,6 +11630,74 @@
             <a:pPr marL="0" indent="0">
               <a:buNone/>
             </a:pPr>
+            <a:r>
+              <a:rPr lang="en-US" sz="1300" dirty="0" err="1">
+                <a:latin typeface="Georgia" panose="02040502050405020303" pitchFamily="18" charset="0"/>
+              </a:rPr>
+              <a:t>install.packages</a:t>
+            </a:r>
+            <a:r>
+              <a:rPr lang="en-US" sz="1300" dirty="0">
+                <a:latin typeface="Georgia" panose="02040502050405020303" pitchFamily="18" charset="0"/>
+              </a:rPr>
+              <a:t>("e1071") # </a:t>
+            </a:r>
+            <a:r>
+              <a:rPr lang="en-US" sz="1300" b="1" i="1" dirty="0">
+                <a:solidFill>
+                  <a:schemeClr val="accent1">
+                    <a:lumMod val="75000"/>
+                  </a:schemeClr>
+                </a:solidFill>
+                <a:latin typeface="Georgia" panose="02040502050405020303" pitchFamily="18" charset="0"/>
+              </a:rPr>
+              <a:t>For Calculating Skewness and Kurtosis</a:t>
+            </a:r>
+          </a:p>
+          <a:p>
+            <a:pPr marL="0" indent="0">
+              <a:buNone/>
+            </a:pPr>
+            <a:r>
+              <a:rPr lang="en-US" sz="1300" dirty="0">
+                <a:latin typeface="Georgia" panose="02040502050405020303" pitchFamily="18" charset="0"/>
+              </a:rPr>
+              <a:t>library(e1071)</a:t>
+            </a:r>
+          </a:p>
+          <a:p>
+            <a:pPr marL="0" indent="0">
+              <a:buNone/>
+            </a:pPr>
+            <a:r>
+              <a:rPr lang="en-US" sz="1300" dirty="0">
+                <a:latin typeface="Georgia" panose="02040502050405020303" pitchFamily="18" charset="0"/>
+              </a:rPr>
+              <a:t>skewness(data1);skewness(data2);skewness(data3); kurtosis(data1);kurtosis(data2);kurtosis(data3)</a:t>
+            </a:r>
+          </a:p>
+          <a:p>
+            <a:pPr marL="0" indent="0">
+              <a:buNone/>
+            </a:pPr>
+            <a:r>
+              <a:rPr lang="en-US" sz="1300" dirty="0">
+                <a:solidFill>
+                  <a:schemeClr val="accent1">
+                    <a:lumMod val="75000"/>
+                  </a:schemeClr>
+                </a:solidFill>
+                <a:effectLst>
+                  <a:outerShdw blurRad="38100" dist="38100" dir="2700000" algn="tl">
+                    <a:srgbClr val="000000">
+                      <a:alpha val="43137"/>
+                    </a:srgbClr>
+                  </a:outerShdw>
+                </a:effectLst>
+                <a:latin typeface="Georgia" panose="02040502050405020303" pitchFamily="18" charset="0"/>
+              </a:rPr>
+              <a:t>Exercise : Plot histograms of these series and locate mean and median on the plots. Superimpose density plots on the histograms. </a:t>
+            </a:r>
             <a:endParaRPr lang="en-US" sz="1300" dirty="0">
               <a:latin typeface="Georgia" panose="02040502050405020303" pitchFamily="18" charset="0"/>
             </a:endParaRPr>
@@ -11720,18 +11707,6 @@
               <a:buNone/>
             </a:pPr>
             <a:r>
-              <a:rPr lang="en-US" sz="1300" dirty="0" err="1">
-                <a:latin typeface="Georgia" panose="02040502050405020303" pitchFamily="18" charset="0"/>
-              </a:rPr>
-              <a:t>install.packages</a:t>
-            </a:r>
-            <a:r>
-              <a:rPr lang="en-US" sz="1300" dirty="0">
-                <a:latin typeface="Georgia" panose="02040502050405020303" pitchFamily="18" charset="0"/>
-              </a:rPr>
-              <a:t>("e1071") # </a:t>
-            </a:r>
-            <a:r>
               <a:rPr lang="en-US" sz="1300" b="1" i="1" dirty="0">
                 <a:solidFill>
                   <a:schemeClr val="accent1">
@@ -11740,7 +11715,7 @@
                 </a:solidFill>
                 <a:latin typeface="Georgia" panose="02040502050405020303" pitchFamily="18" charset="0"/>
               </a:rPr>
-              <a:t>For Calculating Skewness and Kurtosis</a:t>
+              <a:t>#Script for graphing the distribution of data series </a:t>
             </a:r>
           </a:p>
           <a:p>
@@ -11751,7 +11726,19 @@
               <a:rPr lang="en-US" sz="1300" dirty="0">
                 <a:latin typeface="Georgia" panose="02040502050405020303" pitchFamily="18" charset="0"/>
               </a:rPr>
-              <a:t>library(e1071)</a:t>
+              <a:t>hist1 &lt;- hist(data1,probability = </a:t>
+            </a:r>
+            <a:r>
+              <a:rPr lang="en-US" sz="1300" dirty="0" err="1">
+                <a:latin typeface="Georgia" panose="02040502050405020303" pitchFamily="18" charset="0"/>
+              </a:rPr>
+              <a:t>T,plot</a:t>
+            </a:r>
+            <a:r>
+              <a:rPr lang="en-US" sz="1300" dirty="0">
+                <a:latin typeface="Georgia" panose="02040502050405020303" pitchFamily="18" charset="0"/>
+              </a:rPr>
+              <a:t> = FALSE)</a:t>
             </a:r>
           </a:p>
           <a:p>
@@ -11762,226 +11749,160 @@
               <a:rPr lang="en-US" sz="1300" dirty="0">
                 <a:latin typeface="Georgia" panose="02040502050405020303" pitchFamily="18" charset="0"/>
               </a:rPr>
-              <a:t>skewness(data1);skewness(data2);skewness(data3); kurtosis(data1);kurtosis(data2);kurtosis(data3)</a:t>
+              <a:t>hist(data1,probability = </a:t>
+            </a:r>
+            <a:r>
+              <a:rPr lang="en-US" sz="1300" dirty="0" err="1">
+                <a:latin typeface="Georgia" panose="02040502050405020303" pitchFamily="18" charset="0"/>
+              </a:rPr>
+              <a:t>T,xlim</a:t>
+            </a:r>
+            <a:r>
+              <a:rPr lang="en-US" sz="1300" dirty="0">
+                <a:latin typeface="Georgia" panose="02040502050405020303" pitchFamily="18" charset="0"/>
+              </a:rPr>
+              <a:t> = c(0,100),</a:t>
+            </a:r>
+            <a:r>
+              <a:rPr lang="en-US" sz="1300" dirty="0" err="1">
+                <a:latin typeface="Georgia" panose="02040502050405020303" pitchFamily="18" charset="0"/>
+              </a:rPr>
+              <a:t>ylim</a:t>
+            </a:r>
+            <a:r>
+              <a:rPr lang="en-US" sz="1300" dirty="0">
+                <a:latin typeface="Georgia" panose="02040502050405020303" pitchFamily="18" charset="0"/>
+              </a:rPr>
+              <a:t> = c(0,max(hist1$density)),main = "Histogram for Data1",xlab = "Participation",</a:t>
+            </a:r>
+            <a:r>
+              <a:rPr lang="en-US" sz="1300" dirty="0" err="1">
+                <a:latin typeface="Georgia" panose="02040502050405020303" pitchFamily="18" charset="0"/>
+              </a:rPr>
+              <a:t>ylab</a:t>
+            </a:r>
+            <a:r>
+              <a:rPr lang="en-US" sz="1300" dirty="0">
+                <a:latin typeface="Georgia" panose="02040502050405020303" pitchFamily="18" charset="0"/>
+              </a:rPr>
+              <a:t> = "Proportion")</a:t>
             </a:r>
           </a:p>
           <a:p>
             <a:pPr marL="0" indent="0">
               <a:buNone/>
             </a:pPr>
-            <a:endParaRPr lang="en-US" sz="1300" dirty="0">
-              <a:latin typeface="Georgia" panose="02040502050405020303" pitchFamily="18" charset="0"/>
-            </a:endParaRPr>
+            <a:r>
+              <a:rPr lang="en-US" sz="1300" dirty="0">
+                <a:latin typeface="Georgia" panose="02040502050405020303" pitchFamily="18" charset="0"/>
+              </a:rPr>
+              <a:t>par(new = TRUE) </a:t>
+            </a:r>
+            <a:r>
+              <a:rPr lang="en-US" sz="1300" b="1" dirty="0">
+                <a:solidFill>
+                  <a:schemeClr val="accent1">
+                    <a:lumMod val="75000"/>
+                  </a:schemeClr>
+                </a:solidFill>
+                <a:latin typeface="Georgia" panose="02040502050405020303" pitchFamily="18" charset="0"/>
+              </a:rPr>
+              <a:t>#  </a:t>
+            </a:r>
+            <a:r>
+              <a:rPr lang="en-US" sz="1300" b="1" i="1" dirty="0">
+                <a:solidFill>
+                  <a:schemeClr val="accent1">
+                    <a:lumMod val="75000"/>
+                  </a:schemeClr>
+                </a:solidFill>
+                <a:latin typeface="Georgia" panose="02040502050405020303" pitchFamily="18" charset="0"/>
+              </a:rPr>
+              <a:t>To plot one graph over another </a:t>
+            </a:r>
           </a:p>
           <a:p>
             <a:pPr marL="0" indent="0">
               <a:buNone/>
             </a:pPr>
             <a:r>
-              <a:rPr lang="en-US" sz="1300" b="1" i="1" dirty="0">
-                <a:solidFill>
-                  <a:schemeClr val="accent1">
-                    <a:lumMod val="75000"/>
-                  </a:schemeClr>
-                </a:solidFill>
-                <a:latin typeface="Georgia" panose="02040502050405020303" pitchFamily="18" charset="0"/>
-              </a:rPr>
-              <a:t>#Script for graphing the distribution of data series </a:t>
-            </a:r>
-          </a:p>
-          <a:p>
-            <a:pPr marL="0" indent="0">
-              <a:buNone/>
-            </a:pPr>
-            <a:r>
               <a:rPr lang="en-US" sz="1300" dirty="0">
                 <a:latin typeface="Georgia" panose="02040502050405020303" pitchFamily="18" charset="0"/>
               </a:rPr>
-              <a:t>hist1 &lt;- hist(data1,probability = </a:t>
+              <a:t>plot(density(data1),</a:t>
             </a:r>
             <a:r>
               <a:rPr lang="en-US" sz="1300" dirty="0" err="1">
                 <a:latin typeface="Georgia" panose="02040502050405020303" pitchFamily="18" charset="0"/>
               </a:rPr>
-              <a:t>T,plot</a:t>
+              <a:t>xlim</a:t>
             </a:r>
             <a:r>
               <a:rPr lang="en-US" sz="1300" dirty="0">
                 <a:latin typeface="Georgia" panose="02040502050405020303" pitchFamily="18" charset="0"/>
               </a:rPr>
-              <a:t> = FALSE)</a:t>
-            </a:r>
-          </a:p>
-          <a:p>
-            <a:pPr marL="0" indent="0">
-              <a:buNone/>
-            </a:pPr>
+              <a:t> = c(0,100),</a:t>
+            </a:r>
+            <a:r>
+              <a:rPr lang="en-US" sz="1300" dirty="0" err="1">
+                <a:latin typeface="Georgia" panose="02040502050405020303" pitchFamily="18" charset="0"/>
+              </a:rPr>
+              <a:t>ylim</a:t>
+            </a:r>
             <a:r>
               <a:rPr lang="en-US" sz="1300" dirty="0">
                 <a:latin typeface="Georgia" panose="02040502050405020303" pitchFamily="18" charset="0"/>
               </a:rPr>
-              <a:t>hist(data1,probability = </a:t>
+              <a:t> = c(0,max(hist1$density)),</a:t>
             </a:r>
             <a:r>
               <a:rPr lang="en-US" sz="1300" dirty="0" err="1">
                 <a:latin typeface="Georgia" panose="02040502050405020303" pitchFamily="18" charset="0"/>
               </a:rPr>
-              <a:t>T,xlim</a:t>
+              <a:t>xlab</a:t>
             </a:r>
             <a:r>
               <a:rPr lang="en-US" sz="1300" dirty="0">
                 <a:latin typeface="Georgia" panose="02040502050405020303" pitchFamily="18" charset="0"/>
               </a:rPr>
-              <a:t> = c(0,100),</a:t>
+              <a:t> = </a:t>
             </a:r>
             <a:r>
               <a:rPr lang="en-US" sz="1300" dirty="0" err="1">
                 <a:latin typeface="Georgia" panose="02040502050405020303" pitchFamily="18" charset="0"/>
               </a:rPr>
-              <a:t>ylim</a:t>
+              <a:t>NA,ylab</a:t>
             </a:r>
             <a:r>
               <a:rPr lang="en-US" sz="1300" dirty="0">
                 <a:latin typeface="Georgia" panose="02040502050405020303" pitchFamily="18" charset="0"/>
               </a:rPr>
-              <a:t> = c(0,max(hist1$density)),main = "Histogram for Data1",xlab = "Participation",</a:t>
+              <a:t> = </a:t>
             </a:r>
             <a:r>
               <a:rPr lang="en-US" sz="1300" dirty="0" err="1">
                 <a:latin typeface="Georgia" panose="02040502050405020303" pitchFamily="18" charset="0"/>
               </a:rPr>
-              <a:t>ylab</a:t>
+              <a:t>NA,main</a:t>
             </a:r>
             <a:r>
               <a:rPr lang="en-US" sz="1300" dirty="0">
                 <a:latin typeface="Georgia" panose="02040502050405020303" pitchFamily="18" charset="0"/>
               </a:rPr>
-              <a:t> = "Proportion")</a:t>
-            </a:r>
-          </a:p>
-          <a:p>
-            <a:pPr marL="0" indent="0">
-              <a:buNone/>
-            </a:pPr>
+              <a:t> = </a:t>
+            </a:r>
+            <a:r>
+              <a:rPr lang="en-US" sz="1300" dirty="0" err="1">
+                <a:latin typeface="Georgia" panose="02040502050405020303" pitchFamily="18" charset="0"/>
+              </a:rPr>
+              <a:t>NA,lty</a:t>
+            </a:r>
             <a:r>
               <a:rPr lang="en-US" sz="1300" dirty="0">
                 <a:latin typeface="Georgia" panose="02040502050405020303" pitchFamily="18" charset="0"/>
               </a:rPr>
-              <a:t>par(new = TRUE) </a:t>
-            </a:r>
-            <a:r>
-              <a:rPr lang="en-US" sz="1300" b="1" dirty="0">
-                <a:solidFill>
-                  <a:schemeClr val="accent1">
-                    <a:lumMod val="75000"/>
-                  </a:schemeClr>
-                </a:solidFill>
-                <a:latin typeface="Georgia" panose="02040502050405020303" pitchFamily="18" charset="0"/>
-              </a:rPr>
-              <a:t>#  </a:t>
-            </a:r>
-            <a:r>
-              <a:rPr lang="en-US" sz="1300" b="1" i="1" dirty="0">
-                <a:solidFill>
-                  <a:schemeClr val="accent1">
-                    <a:lumMod val="75000"/>
-                  </a:schemeClr>
-                </a:solidFill>
-                <a:latin typeface="Georgia" panose="02040502050405020303" pitchFamily="18" charset="0"/>
-              </a:rPr>
-              <a:t>To plot one graph over another </a:t>
-            </a:r>
-          </a:p>
-          <a:p>
-            <a:pPr marL="0" indent="0">
-              <a:buNone/>
-            </a:pPr>
-            <a:r>
-              <a:rPr lang="en-US" sz="1300" dirty="0">
-                <a:latin typeface="Georgia" panose="02040502050405020303" pitchFamily="18" charset="0"/>
-              </a:rPr>
-              <a:t>plot(density(data1),</a:t>
-            </a:r>
-            <a:r>
-              <a:rPr lang="en-US" sz="1300" dirty="0" err="1">
-                <a:latin typeface="Georgia" panose="02040502050405020303" pitchFamily="18" charset="0"/>
-              </a:rPr>
-              <a:t>xlim</a:t>
-            </a:r>
-            <a:r>
-              <a:rPr lang="en-US" sz="1300" dirty="0">
-                <a:latin typeface="Georgia" panose="02040502050405020303" pitchFamily="18" charset="0"/>
-              </a:rPr>
-              <a:t> = c(0,100),</a:t>
-            </a:r>
-            <a:r>
-              <a:rPr lang="en-US" sz="1300" dirty="0" err="1">
-                <a:latin typeface="Georgia" panose="02040502050405020303" pitchFamily="18" charset="0"/>
-              </a:rPr>
-              <a:t>ylim</a:t>
-            </a:r>
-            <a:r>
-              <a:rPr lang="en-US" sz="1300" dirty="0">
-                <a:latin typeface="Georgia" panose="02040502050405020303" pitchFamily="18" charset="0"/>
-              </a:rPr>
-              <a:t> = c(0,max(hist1$density)),</a:t>
-            </a:r>
-            <a:r>
-              <a:rPr lang="en-US" sz="1300" dirty="0" err="1">
-                <a:latin typeface="Georgia" panose="02040502050405020303" pitchFamily="18" charset="0"/>
-              </a:rPr>
-              <a:t>xlab</a:t>
-            </a:r>
-            <a:r>
-              <a:rPr lang="en-US" sz="1300" dirty="0">
-                <a:latin typeface="Georgia" panose="02040502050405020303" pitchFamily="18" charset="0"/>
-              </a:rPr>
-              <a:t> = </a:t>
-            </a:r>
-            <a:r>
-              <a:rPr lang="en-US" sz="1300" dirty="0" err="1">
-                <a:latin typeface="Georgia" panose="02040502050405020303" pitchFamily="18" charset="0"/>
-              </a:rPr>
-              <a:t>NA,ylab</a:t>
-            </a:r>
-            <a:r>
-              <a:rPr lang="en-US" sz="1300" dirty="0">
-                <a:latin typeface="Georgia" panose="02040502050405020303" pitchFamily="18" charset="0"/>
-              </a:rPr>
-              <a:t> = </a:t>
-            </a:r>
-            <a:r>
-              <a:rPr lang="en-US" sz="1300" dirty="0" err="1">
-                <a:latin typeface="Georgia" panose="02040502050405020303" pitchFamily="18" charset="0"/>
-              </a:rPr>
-              <a:t>NA,main</a:t>
-            </a:r>
-            <a:r>
-              <a:rPr lang="en-US" sz="1300" dirty="0">
-                <a:latin typeface="Georgia" panose="02040502050405020303" pitchFamily="18" charset="0"/>
-              </a:rPr>
-              <a:t> = </a:t>
-            </a:r>
-            <a:r>
-              <a:rPr lang="en-US" sz="1300" dirty="0" err="1">
-                <a:latin typeface="Georgia" panose="02040502050405020303" pitchFamily="18" charset="0"/>
-              </a:rPr>
-              <a:t>NA,lty</a:t>
-            </a:r>
-            <a:r>
-              <a:rPr lang="en-US" sz="1300" dirty="0">
-                <a:latin typeface="Georgia" panose="02040502050405020303" pitchFamily="18" charset="0"/>
-              </a:rPr>
               <a:t>= 2)</a:t>
             </a:r>
-          </a:p>
-          <a:p>
-            <a:pPr marL="0" indent="0">
-              <a:buNone/>
-            </a:pPr>
-            <a:endParaRPr lang="en-US" sz="1300" dirty="0">
-              <a:latin typeface="Georgia" panose="02040502050405020303" pitchFamily="18" charset="0"/>
-            </a:endParaRPr>
           </a:p>
           <a:p>
             <a:pPr marL="0" indent="0">
@@ -12821,8 +12742,8 @@
           </a:p>
         </p:txBody>
       </p:sp>
-      <mc:AlternateContent xmlns:mc="http://schemas.openxmlformats.org/markup-compatibility/2006" xmlns:a14="http://schemas.microsoft.com/office/drawing/2010/main">
-        <mc:Choice Requires="a14">
+      <mc:AlternateContent xmlns:mc="http://schemas.openxmlformats.org/markup-compatibility/2006">
+        <mc:Choice xmlns:a14="http://schemas.microsoft.com/office/drawing/2010/main" Requires="a14">
           <p:sp>
             <p:nvSpPr>
               <p:cNvPr id="3" name="Content Placeholder 2">
@@ -12902,7 +12823,29 @@
                     </a:solidFill>
                     <a:latin typeface="Georgia" panose="02040502050405020303" pitchFamily="18" charset="0"/>
                   </a:rPr>
-                  <a:t>The standard deviation can help us in making statements about the distribution of data in the sample. </a:t>
+                  <a:t>The standard deviation can help us in </a:t>
+                </a:r>
+                <a:r>
+                  <a:rPr lang="en-US" sz="2200" b="1" dirty="0">
+                    <a:solidFill>
+                      <a:schemeClr val="accent1">
+                        <a:lumMod val="75000"/>
+                      </a:schemeClr>
+                    </a:solidFill>
+                    <a:latin typeface="Georgia" panose="02040502050405020303" pitchFamily="18" charset="0"/>
+                  </a:rPr>
+                  <a:t>making statements about the distribution of data</a:t>
+                </a:r>
+                <a:r>
+                  <a:rPr lang="en-US" sz="2200" dirty="0">
+                    <a:solidFill>
+                      <a:schemeClr val="accent1">
+                        <a:lumMod val="75000"/>
+                      </a:schemeClr>
+                    </a:solidFill>
+                    <a:latin typeface="Georgia" panose="02040502050405020303" pitchFamily="18" charset="0"/>
+                  </a:rPr>
+                  <a:t> in the sample. </a:t>
                 </a:r>
               </a:p>
               <a:p>
@@ -13166,7 +13109,7 @@
             </p:txBody>
           </p:sp>
         </mc:Choice>
-        <mc:Fallback xmlns="">
+        <mc:Fallback>
           <p:sp>
             <p:nvSpPr>
               <p:cNvPr id="3" name="Content Placeholder 2">
@@ -13191,7 +13134,7 @@
               <a:blipFill>
                 <a:blip r:embed="rId3"/>
                 <a:stretch>
-                  <a:fillRect l="-817" t="-1491" r="-1188"/>
+                  <a:fillRect l="-817" t="-1491"/>
                 </a:stretch>
               </a:blipFill>
             </p:spPr>
@@ -14044,7 +13987,7 @@
                 </a:solidFill>
                 <a:latin typeface="Georgia" panose="02040502050405020303" pitchFamily="18" charset="0"/>
               </a:rPr>
-              <a:t> percentile is the point in which p% of the data fall below. </a:t>
+              <a:t> percentile is the point /value at which p% of the data fall below. </a:t>
             </a:r>
             <a:r>
               <a:rPr lang="en-US" sz="2000" b="1" dirty="0">
@@ -14242,7 +14185,7 @@
         <p:spPr>
           <a:xfrm>
             <a:off x="2514600" y="2286000"/>
-            <a:ext cx="3352800" cy="338554"/>
+            <a:ext cx="3657600" cy="338554"/>
           </a:xfrm>
           <a:prstGeom prst="rect">
             <a:avLst/>
@@ -14265,7 +14208,19 @@
               <a:rPr lang="it-IT" sz="1600" dirty="0">
                 <a:latin typeface="Georgia" panose="02040502050405020303" pitchFamily="18" charset="0"/>
               </a:rPr>
-              <a:t>&gt; quantile(data1, probs = c(0.45))</a:t>
+              <a:t>&gt; </a:t>
+            </a:r>
+            <a:r>
+              <a:rPr lang="it-IT" sz="1600" b="1" dirty="0">
+                <a:latin typeface="Georgia" panose="02040502050405020303" pitchFamily="18" charset="0"/>
+              </a:rPr>
+              <a:t>quantile</a:t>
+            </a:r>
+            <a:r>
+              <a:rPr lang="it-IT" sz="1600" dirty="0">
+                <a:latin typeface="Georgia" panose="02040502050405020303" pitchFamily="18" charset="0"/>
+              </a:rPr>
+              <a:t>(data1, probs = c(0.45))</a:t>
             </a:r>
           </a:p>
         </p:txBody>
@@ -14578,6 +14533,7 @@
                     <a:lumMod val="75000"/>
                   </a:schemeClr>
                 </a:solidFill>
+                <a:latin typeface="Georgia" panose="02040502050405020303" pitchFamily="18" charset="0"/>
               </a:rPr>
               <a:t>The observations that lie outside the pattern of the data distribution (Moore and McCabe 1999).</a:t>
             </a:r>
@@ -14588,6 +14544,7 @@
                     <a:lumMod val="75000"/>
                   </a:schemeClr>
                 </a:solidFill>
+                <a:latin typeface="Georgia" panose="02040502050405020303" pitchFamily="18" charset="0"/>
               </a:rPr>
               <a:t> The presence of an outlier may be an indicator of an error in measurement or an rare anomaly impacting the data sampling process.</a:t>
             </a:r>
@@ -14604,6 +14561,7 @@
                     <a:lumMod val="75000"/>
                   </a:schemeClr>
                 </a:solidFill>
+                <a:latin typeface="Georgia" panose="02040502050405020303" pitchFamily="18" charset="0"/>
               </a:rPr>
               <a:t>Outliers in the data should to investigated to ensure if there were any measurement problems or not. </a:t>
             </a:r>
@@ -14620,6 +14578,7 @@
                     <a:lumMod val="75000"/>
                   </a:schemeClr>
                 </a:solidFill>
+                <a:latin typeface="Georgia" panose="02040502050405020303" pitchFamily="18" charset="0"/>
               </a:rPr>
               <a:t>Outliers can be detected using the following two methods :</a:t>
             </a:r>
@@ -14636,6 +14595,7 @@
                     <a:lumMod val="75000"/>
                   </a:schemeClr>
                 </a:solidFill>
+                <a:latin typeface="Georgia" panose="02040502050405020303" pitchFamily="18" charset="0"/>
               </a:rPr>
               <a:t>Z-Score Method </a:t>
             </a:r>
@@ -14646,6 +14606,7 @@
                     <a:lumMod val="75000"/>
                   </a:schemeClr>
                 </a:solidFill>
+                <a:latin typeface="Georgia" panose="02040502050405020303" pitchFamily="18" charset="0"/>
               </a:rPr>
               <a:t>:  Generally a data element with absolute z-score of greater than 2 (for skewed) and 3 (for symmetric) is considered as the outlier.  </a:t>
             </a:r>
@@ -14662,6 +14623,7 @@
                     <a:lumMod val="75000"/>
                   </a:schemeClr>
                 </a:solidFill>
+                <a:latin typeface="Georgia" panose="02040502050405020303" pitchFamily="18" charset="0"/>
               </a:rPr>
               <a:t>Box Plot Method </a:t>
             </a:r>
@@ -14672,6 +14634,7 @@
                     <a:lumMod val="75000"/>
                   </a:schemeClr>
                 </a:solidFill>
+                <a:latin typeface="Georgia" panose="02040502050405020303" pitchFamily="18" charset="0"/>
               </a:rPr>
               <a:t>: The points beyond inner fence [(Q1-1.5*IQ),(Q3+1.5*IQ)] are considered mild outlier while the points beyond outer fence [(Q1-3*IQ),(Q3+3*IQ)] are considered extreme outlier </a:t>
             </a:r>
@@ -15608,7 +15571,7 @@
         </p:spPr>
         <p:txBody>
           <a:bodyPr>
-            <a:normAutofit fontScale="92500" lnSpcReduction="10000"/>
+            <a:normAutofit lnSpcReduction="10000"/>
           </a:bodyPr>
           <a:lstStyle/>
           <a:p>
@@ -15753,10 +15716,8 @@
                 </a:solidFill>
                 <a:latin typeface="Georgia" panose="02040502050405020303" pitchFamily="18" charset="0"/>
               </a:rPr>
-              <a:t>Exercise : Use quakes dataset to identify relationship between depth of the quake and magnitude at rector scale for all stations with at least 20 quakes, so for each station with more than 20 quakes find the correlation between depth of the quake and the intensity of the quake</a:t>
-            </a:r>
-          </a:p>
-          <a:p>
+              <a:t>Exercise : Use quakes dataset to identify relationship between depth of the quake and magnitude at rector scale for quakes that are reported by at least 20 stations.  </a:t>
+            </a:r>
             <a:endParaRPr lang="en-US" dirty="0"/>
           </a:p>
         </p:txBody>
@@ -16201,7 +16162,7 @@
               <a:buChar char="§"/>
             </a:pPr>
             <a:r>
-              <a:rPr lang="en-US" dirty="0">
+              <a:rPr lang="en-US" b="1" dirty="0">
                 <a:solidFill>
                   <a:schemeClr val="accent1">
                     <a:lumMod val="75000"/>
@@ -16269,7 +16230,7 @@
               <a:buChar char="§"/>
             </a:pPr>
             <a:r>
-              <a:rPr lang="en-US" dirty="0">
+              <a:rPr lang="en-US" b="1" dirty="0">
                 <a:solidFill>
                   <a:schemeClr val="accent1">
                     <a:lumMod val="75000"/>
@@ -16433,7 +16394,29 @@
                 </a:solidFill>
                 <a:latin typeface="Georgia" panose="02040502050405020303" pitchFamily="18" charset="0"/>
               </a:rPr>
-              <a:t>If an experiment has n trails and two outcomes (e.g. success or failure) with success probability of p then this function models the probability of getting ‘X’ success in n trials. </a:t>
+              <a:t>If an experiment has n trails and two outcomes (e.g. success or failure) with success probability of p then this function </a:t>
+            </a:r>
+            <a:r>
+              <a:rPr lang="en-US" b="1" dirty="0">
+                <a:solidFill>
+                  <a:schemeClr val="accent1">
+                    <a:lumMod val="75000"/>
+                  </a:schemeClr>
+                </a:solidFill>
+                <a:latin typeface="Georgia" panose="02040502050405020303" pitchFamily="18" charset="0"/>
+              </a:rPr>
+              <a:t>models the probability of getting ‘X’ success in n trials</a:t>
+            </a:r>
+            <a:r>
+              <a:rPr lang="en-US" dirty="0">
+                <a:solidFill>
+                  <a:schemeClr val="accent1">
+                    <a:lumMod val="75000"/>
+                  </a:schemeClr>
+                </a:solidFill>
+                <a:latin typeface="Georgia" panose="02040502050405020303" pitchFamily="18" charset="0"/>
+              </a:rPr>
+              <a:t>. </a:t>
             </a:r>
           </a:p>
           <a:p>
@@ -16843,7 +16826,19 @@
               <a:rPr lang="en-US" dirty="0">
                 <a:latin typeface="Georgia" panose="02040502050405020303" pitchFamily="18" charset="0"/>
               </a:rPr>
-              <a:t>    &gt; qbinom(0.8,size = 100,prob = 0.7)</a:t>
+              <a:t>    &gt; </a:t>
+            </a:r>
+            <a:r>
+              <a:rPr lang="en-US" b="1" dirty="0">
+                <a:latin typeface="Georgia" panose="02040502050405020303" pitchFamily="18" charset="0"/>
+              </a:rPr>
+              <a:t>qbinom</a:t>
+            </a:r>
+            <a:r>
+              <a:rPr lang="en-US" dirty="0">
+                <a:latin typeface="Georgia" panose="02040502050405020303" pitchFamily="18" charset="0"/>
+              </a:rPr>
+              <a:t>(0.8,size = 100,prob = 0.7)</a:t>
             </a:r>
           </a:p>
           <a:p>
@@ -16912,7 +16907,7 @@
               <a:t>&gt; </a:t>
             </a:r>
             <a:r>
-              <a:rPr lang="en-US" dirty="0" err="1">
+              <a:rPr lang="en-US" b="1" dirty="0" err="1">
                 <a:latin typeface="Georgia" panose="02040502050405020303" pitchFamily="18" charset="0"/>
               </a:rPr>
               <a:t>pbinom</a:t>
@@ -16944,7 +16939,18 @@
               <a:rPr lang="en-US" dirty="0">
                 <a:latin typeface="Georgia" panose="02040502050405020303" pitchFamily="18" charset="0"/>
               </a:rPr>
-              <a:t>    [1] 0.6172172 # This means that 61% of the values would be below 7. </a:t>
+              <a:t>    [1] 0.6172172 </a:t>
+            </a:r>
+            <a:r>
+              <a:rPr lang="en-US" dirty="0">
+                <a:solidFill>
+                  <a:schemeClr val="accent1">
+                    <a:lumMod val="75000"/>
+                  </a:schemeClr>
+                </a:solidFill>
+                <a:latin typeface="Georgia" panose="02040502050405020303" pitchFamily="18" charset="0"/>
+              </a:rPr>
+              <a:t># This means that 61% of the values would be below 7. </a:t>
             </a:r>
           </a:p>
         </p:txBody>
@@ -18346,7 +18352,29 @@
                 </a:solidFill>
                 <a:latin typeface="Georgia" panose="02040502050405020303" pitchFamily="18" charset="0"/>
               </a:rPr>
-              <a:t>The theorem states that if n (the sample size from the random draw)  is sufficiently large (n &gt;= 30), then the sampling distribution of the sample mean follows a normal distribution. </a:t>
+              <a:t>The theorem states that if n (the sample size from the random draw)  is sufficiently large (n &gt;= 30), then the </a:t>
+            </a:r>
+            <a:r>
+              <a:rPr lang="en-US" sz="2500" b="1" dirty="0">
+                <a:solidFill>
+                  <a:schemeClr val="accent1">
+                    <a:lumMod val="75000"/>
+                  </a:schemeClr>
+                </a:solidFill>
+                <a:latin typeface="Georgia" panose="02040502050405020303" pitchFamily="18" charset="0"/>
+              </a:rPr>
+              <a:t>sampling distribution of the sample mean follows a normal distribution.</a:t>
+            </a:r>
+            <a:r>
+              <a:rPr lang="en-US" sz="2500" dirty="0">
+                <a:solidFill>
+                  <a:schemeClr val="accent1">
+                    <a:lumMod val="75000"/>
+                  </a:schemeClr>
+                </a:solidFill>
+                <a:latin typeface="Georgia" panose="02040502050405020303" pitchFamily="18" charset="0"/>
+              </a:rPr>
+              <a:t> </a:t>
             </a:r>
           </a:p>
           <a:p>
@@ -19689,7 +19717,31 @@
                 <a:latin typeface="Times New Roman" panose="02020603050405020304" pitchFamily="18" charset="0"/>
                 <a:cs typeface="Times New Roman" panose="02020603050405020304" pitchFamily="18" charset="0"/>
               </a:rPr>
-              <a:t>The entire set of data we are interested in learning about.</a:t>
+              <a:t>The </a:t>
+            </a:r>
+            <a:r>
+              <a:rPr lang="en-US" sz="2000" b="1" dirty="0">
+                <a:solidFill>
+                  <a:schemeClr val="accent1">
+                    <a:lumMod val="75000"/>
+                  </a:schemeClr>
+                </a:solidFill>
+                <a:latin typeface="Times New Roman" panose="02020603050405020304" pitchFamily="18" charset="0"/>
+                <a:cs typeface="Times New Roman" panose="02020603050405020304" pitchFamily="18" charset="0"/>
+              </a:rPr>
+              <a:t>entire set </a:t>
+            </a:r>
+            <a:r>
+              <a:rPr lang="en-US" sz="2000" dirty="0">
+                <a:solidFill>
+                  <a:schemeClr val="accent1">
+                    <a:lumMod val="75000"/>
+                  </a:schemeClr>
+                </a:solidFill>
+                <a:latin typeface="Times New Roman" panose="02020603050405020304" pitchFamily="18" charset="0"/>
+                <a:cs typeface="Times New Roman" panose="02020603050405020304" pitchFamily="18" charset="0"/>
+              </a:rPr>
+              <a:t>of data we are interested in learning about.</a:t>
             </a:r>
             <a:endParaRPr lang="en-US" dirty="0">
               <a:solidFill>
@@ -19743,7 +19795,31 @@
                 <a:latin typeface="Times New Roman" panose="02020603050405020304" pitchFamily="18" charset="0"/>
                 <a:cs typeface="Times New Roman" panose="02020603050405020304" pitchFamily="18" charset="0"/>
               </a:rPr>
-              <a:t>The subset of the population from which data has been collected</a:t>
+              <a:t>The </a:t>
+            </a:r>
+            <a:r>
+              <a:rPr lang="en-US" sz="2000" b="1" dirty="0">
+                <a:solidFill>
+                  <a:schemeClr val="accent1">
+                    <a:lumMod val="75000"/>
+                  </a:schemeClr>
+                </a:solidFill>
+                <a:latin typeface="Times New Roman" panose="02020603050405020304" pitchFamily="18" charset="0"/>
+                <a:cs typeface="Times New Roman" panose="02020603050405020304" pitchFamily="18" charset="0"/>
+              </a:rPr>
+              <a:t>subset</a:t>
+            </a:r>
+            <a:r>
+              <a:rPr lang="en-US" sz="2000" dirty="0">
+                <a:solidFill>
+                  <a:schemeClr val="accent1">
+                    <a:lumMod val="75000"/>
+                  </a:schemeClr>
+                </a:solidFill>
+                <a:latin typeface="Times New Roman" panose="02020603050405020304" pitchFamily="18" charset="0"/>
+                <a:cs typeface="Times New Roman" panose="02020603050405020304" pitchFamily="18" charset="0"/>
+              </a:rPr>
+              <a:t> of the population from which data has been collected</a:t>
             </a:r>
             <a:endParaRPr lang="en-US" dirty="0">
               <a:solidFill>
@@ -19788,7 +19864,31 @@
                 <a:latin typeface="Times New Roman" panose="02020603050405020304" pitchFamily="18" charset="0"/>
                 <a:cs typeface="Times New Roman" panose="02020603050405020304" pitchFamily="18" charset="0"/>
               </a:rPr>
-              <a:t>The object we measure to get the data we are going to study</a:t>
+              <a:t>The </a:t>
+            </a:r>
+            <a:r>
+              <a:rPr lang="en-US" sz="2000" b="1" dirty="0">
+                <a:solidFill>
+                  <a:schemeClr val="accent1">
+                    <a:lumMod val="75000"/>
+                  </a:schemeClr>
+                </a:solidFill>
+                <a:latin typeface="Times New Roman" panose="02020603050405020304" pitchFamily="18" charset="0"/>
+                <a:cs typeface="Times New Roman" panose="02020603050405020304" pitchFamily="18" charset="0"/>
+              </a:rPr>
+              <a:t>object</a:t>
+            </a:r>
+            <a:r>
+              <a:rPr lang="en-US" sz="2000" dirty="0">
+                <a:solidFill>
+                  <a:schemeClr val="accent1">
+                    <a:lumMod val="75000"/>
+                  </a:schemeClr>
+                </a:solidFill>
+                <a:latin typeface="Times New Roman" panose="02020603050405020304" pitchFamily="18" charset="0"/>
+                <a:cs typeface="Times New Roman" panose="02020603050405020304" pitchFamily="18" charset="0"/>
+              </a:rPr>
+              <a:t> we measure to get the data we are going to study</a:t>
             </a:r>
             <a:endParaRPr lang="en-US" sz="2000" b="1" dirty="0">
               <a:solidFill>
@@ -19833,7 +19933,31 @@
                 <a:latin typeface="Times New Roman" panose="02020603050405020304" pitchFamily="18" charset="0"/>
                 <a:cs typeface="Times New Roman" panose="02020603050405020304" pitchFamily="18" charset="0"/>
               </a:rPr>
-              <a:t>The characteristic we collect that varies from one experimental unit to the next.</a:t>
+              <a:t>The </a:t>
+            </a:r>
+            <a:r>
+              <a:rPr lang="en-US" sz="2000" b="1" dirty="0">
+                <a:solidFill>
+                  <a:schemeClr val="accent1">
+                    <a:lumMod val="75000"/>
+                  </a:schemeClr>
+                </a:solidFill>
+                <a:latin typeface="Times New Roman" panose="02020603050405020304" pitchFamily="18" charset="0"/>
+                <a:cs typeface="Times New Roman" panose="02020603050405020304" pitchFamily="18" charset="0"/>
+              </a:rPr>
+              <a:t>characteristic</a:t>
+            </a:r>
+            <a:r>
+              <a:rPr lang="en-US" sz="2000" dirty="0">
+                <a:solidFill>
+                  <a:schemeClr val="accent1">
+                    <a:lumMod val="75000"/>
+                  </a:schemeClr>
+                </a:solidFill>
+                <a:latin typeface="Times New Roman" panose="02020603050405020304" pitchFamily="18" charset="0"/>
+                <a:cs typeface="Times New Roman" panose="02020603050405020304" pitchFamily="18" charset="0"/>
+              </a:rPr>
+              <a:t> we collect that varies from one experimental unit to the next.</a:t>
             </a:r>
             <a:endParaRPr lang="en-US" sz="2000" b="1" dirty="0">
               <a:solidFill>
@@ -19878,7 +20002,31 @@
                 <a:latin typeface="Times New Roman" panose="02020603050405020304" pitchFamily="18" charset="0"/>
                 <a:cs typeface="Times New Roman" panose="02020603050405020304" pitchFamily="18" charset="0"/>
               </a:rPr>
-              <a:t>A numerical characteristic of the population (usually unknown)</a:t>
+              <a:t>A numerical characteristic of the population (</a:t>
+            </a:r>
+            <a:r>
+              <a:rPr lang="en-US" sz="2000" b="1" dirty="0">
+                <a:solidFill>
+                  <a:schemeClr val="accent1">
+                    <a:lumMod val="75000"/>
+                  </a:schemeClr>
+                </a:solidFill>
+                <a:latin typeface="Times New Roman" panose="02020603050405020304" pitchFamily="18" charset="0"/>
+                <a:cs typeface="Times New Roman" panose="02020603050405020304" pitchFamily="18" charset="0"/>
+              </a:rPr>
+              <a:t>usually unknown</a:t>
+            </a:r>
+            <a:r>
+              <a:rPr lang="en-US" sz="2000" dirty="0">
+                <a:solidFill>
+                  <a:schemeClr val="accent1">
+                    <a:lumMod val="75000"/>
+                  </a:schemeClr>
+                </a:solidFill>
+                <a:latin typeface="Times New Roman" panose="02020603050405020304" pitchFamily="18" charset="0"/>
+                <a:cs typeface="Times New Roman" panose="02020603050405020304" pitchFamily="18" charset="0"/>
+              </a:rPr>
+              <a:t>)</a:t>
             </a:r>
             <a:endParaRPr lang="en-US" sz="2000" b="1" dirty="0">
               <a:solidFill>
@@ -19923,7 +20071,31 @@
                 <a:latin typeface="Times New Roman" panose="02020603050405020304" pitchFamily="18" charset="0"/>
                 <a:cs typeface="Times New Roman" panose="02020603050405020304" pitchFamily="18" charset="0"/>
               </a:rPr>
-              <a:t>A numerical characteristic of the sample (always known)</a:t>
+              <a:t>A numerical characteristic of the sample (</a:t>
+            </a:r>
+            <a:r>
+              <a:rPr lang="en-US" sz="2000" b="1" dirty="0">
+                <a:solidFill>
+                  <a:schemeClr val="accent1">
+                    <a:lumMod val="75000"/>
+                  </a:schemeClr>
+                </a:solidFill>
+                <a:latin typeface="Times New Roman" panose="02020603050405020304" pitchFamily="18" charset="0"/>
+                <a:cs typeface="Times New Roman" panose="02020603050405020304" pitchFamily="18" charset="0"/>
+              </a:rPr>
+              <a:t>always known</a:t>
+            </a:r>
+            <a:r>
+              <a:rPr lang="en-US" sz="2000" dirty="0">
+                <a:solidFill>
+                  <a:schemeClr val="accent1">
+                    <a:lumMod val="75000"/>
+                  </a:schemeClr>
+                </a:solidFill>
+                <a:latin typeface="Times New Roman" panose="02020603050405020304" pitchFamily="18" charset="0"/>
+                <a:cs typeface="Times New Roman" panose="02020603050405020304" pitchFamily="18" charset="0"/>
+              </a:rPr>
+              <a:t>)</a:t>
             </a:r>
             <a:endParaRPr lang="en-US" sz="2000" b="1" dirty="0">
               <a:solidFill>
@@ -25685,7 +25857,7 @@
           <a:graphicData uri="http://schemas.openxmlformats.org/presentationml/2006/ole">
             <mc:AlternateContent xmlns:mc="http://schemas.openxmlformats.org/markup-compatibility/2006">
               <mc:Choice xmlns:v="urn:schemas-microsoft-com:vml" Requires="v">
-                <p:oleObj spid="_x0000_s47122" name="Worksheet" r:id="rId3" imgW="2581772" imgH="981316" progId="Excel.Sheet.8">
+                <p:oleObj spid="_x0000_s47126" name="Worksheet" r:id="rId3" imgW="2581772" imgH="981316" progId="Excel.Sheet.8">
                   <p:embed/>
                 </p:oleObj>
               </mc:Choice>
@@ -28830,6 +29002,354 @@
 </p:sld>
 </file>
 
+<file path=ppt/slides/slide56.xml><?xml version="1.0" encoding="utf-8"?>
+<p:sld xmlns:a="http://schemas.openxmlformats.org/drawingml/2006/main" xmlns:r="http://schemas.openxmlformats.org/officeDocument/2006/relationships" xmlns:p="http://schemas.openxmlformats.org/presentationml/2006/main">
+  <p:cSld>
+    <p:spTree>
+      <p:nvGrpSpPr>
+        <p:cNvPr id="1" name=""/>
+        <p:cNvGrpSpPr/>
+        <p:nvPr/>
+      </p:nvGrpSpPr>
+      <p:grpSpPr>
+        <a:xfrm>
+          <a:off x="0" y="0"/>
+          <a:ext cx="0" cy="0"/>
+          <a:chOff x="0" y="0"/>
+          <a:chExt cx="0" cy="0"/>
+        </a:xfrm>
+      </p:grpSpPr>
+      <p:sp>
+        <p:nvSpPr>
+          <p:cNvPr id="2" name="Title 1">
+            <a:extLst>
+              <a:ext uri="{FF2B5EF4-FFF2-40B4-BE49-F238E27FC236}">
+                <a16:creationId xmlns:a16="http://schemas.microsoft.com/office/drawing/2014/main" id="{D9819598-3A2F-4B94-BABC-3BE1EDA9DC42}"/>
+              </a:ext>
+            </a:extLst>
+          </p:cNvPr>
+          <p:cNvSpPr>
+            <a:spLocks noGrp="1"/>
+          </p:cNvSpPr>
+          <p:nvPr>
+            <p:ph type="title"/>
+          </p:nvPr>
+        </p:nvSpPr>
+        <p:spPr>
+          <a:xfrm>
+            <a:off x="628650" y="365127"/>
+            <a:ext cx="7886700" cy="777874"/>
+          </a:xfrm>
+        </p:spPr>
+        <p:txBody>
+          <a:bodyPr/>
+          <a:lstStyle/>
+          <a:p>
+            <a:r>
+              <a:rPr lang="en-US" dirty="0">
+                <a:solidFill>
+                  <a:schemeClr val="accent1">
+                    <a:lumMod val="75000"/>
+                  </a:schemeClr>
+                </a:solidFill>
+                <a:effectLst>
+                  <a:outerShdw blurRad="38100" dist="38100" dir="2700000" algn="tl">
+                    <a:srgbClr val="000000">
+                      <a:alpha val="43137"/>
+                    </a:srgbClr>
+                  </a:outerShdw>
+                </a:effectLst>
+              </a:rPr>
+              <a:t>Other Applications </a:t>
+            </a:r>
+          </a:p>
+        </p:txBody>
+      </p:sp>
+      <p:sp>
+        <p:nvSpPr>
+          <p:cNvPr id="3" name="Content Placeholder 2">
+            <a:extLst>
+              <a:ext uri="{FF2B5EF4-FFF2-40B4-BE49-F238E27FC236}">
+                <a16:creationId xmlns:a16="http://schemas.microsoft.com/office/drawing/2014/main" id="{29C20D52-F4D0-4FCF-9A32-132E66972B0B}"/>
+              </a:ext>
+            </a:extLst>
+          </p:cNvPr>
+          <p:cNvSpPr>
+            <a:spLocks noGrp="1"/>
+          </p:cNvSpPr>
+          <p:nvPr>
+            <p:ph idx="1"/>
+          </p:nvPr>
+        </p:nvSpPr>
+        <p:spPr>
+          <a:xfrm>
+            <a:off x="628650" y="1174174"/>
+            <a:ext cx="7886700" cy="4351338"/>
+          </a:xfrm>
+        </p:spPr>
+        <p:txBody>
+          <a:bodyPr/>
+          <a:lstStyle/>
+          <a:p>
+            <a:pPr>
+              <a:lnSpc>
+                <a:spcPct val="110000"/>
+              </a:lnSpc>
+              <a:spcBef>
+                <a:spcPct val="20000"/>
+              </a:spcBef>
+              <a:buFont typeface="Wingdings" panose="05000000000000000000" pitchFamily="2" charset="2"/>
+              <a:buChar char="§"/>
+            </a:pPr>
+            <a:r>
+              <a:rPr lang="en-US" sz="2000" dirty="0">
+                <a:solidFill>
+                  <a:schemeClr val="accent1">
+                    <a:lumMod val="75000"/>
+                  </a:schemeClr>
+                </a:solidFill>
+                <a:latin typeface="Times New Roman" pitchFamily="18" charset="0"/>
+              </a:rPr>
+              <a:t>Comparing two proportions</a:t>
+            </a:r>
+          </a:p>
+          <a:p>
+            <a:pPr>
+              <a:lnSpc>
+                <a:spcPct val="110000"/>
+              </a:lnSpc>
+              <a:spcBef>
+                <a:spcPct val="20000"/>
+              </a:spcBef>
+              <a:buFont typeface="Wingdings" panose="05000000000000000000" pitchFamily="2" charset="2"/>
+              <a:buChar char="§"/>
+            </a:pPr>
+            <a:r>
+              <a:rPr lang="en-US" sz="2000" dirty="0">
+                <a:solidFill>
+                  <a:schemeClr val="accent1">
+                    <a:lumMod val="75000"/>
+                  </a:schemeClr>
+                </a:solidFill>
+                <a:latin typeface="Times New Roman" pitchFamily="18" charset="0"/>
+              </a:rPr>
+              <a:t>Comparing three-or-more means</a:t>
+            </a:r>
+          </a:p>
+          <a:p>
+            <a:pPr>
+              <a:lnSpc>
+                <a:spcPct val="110000"/>
+              </a:lnSpc>
+              <a:spcBef>
+                <a:spcPct val="20000"/>
+              </a:spcBef>
+              <a:buFont typeface="Wingdings" panose="05000000000000000000" pitchFamily="2" charset="2"/>
+              <a:buChar char="§"/>
+            </a:pPr>
+            <a:r>
+              <a:rPr lang="en-US" sz="2000" dirty="0">
+                <a:solidFill>
+                  <a:schemeClr val="accent1">
+                    <a:lumMod val="75000"/>
+                  </a:schemeClr>
+                </a:solidFill>
+                <a:latin typeface="Times New Roman" pitchFamily="18" charset="0"/>
+              </a:rPr>
+              <a:t>Comparing three-or-more proportions</a:t>
+            </a:r>
+          </a:p>
+          <a:p>
+            <a:pPr>
+              <a:lnSpc>
+                <a:spcPct val="110000"/>
+              </a:lnSpc>
+              <a:spcBef>
+                <a:spcPct val="20000"/>
+              </a:spcBef>
+              <a:buFont typeface="Wingdings" panose="05000000000000000000" pitchFamily="2" charset="2"/>
+              <a:buChar char="§"/>
+            </a:pPr>
+            <a:r>
+              <a:rPr lang="en-US" sz="2000" dirty="0">
+                <a:solidFill>
+                  <a:schemeClr val="accent1">
+                    <a:lumMod val="75000"/>
+                  </a:schemeClr>
+                </a:solidFill>
+                <a:latin typeface="Times New Roman" pitchFamily="18" charset="0"/>
+              </a:rPr>
+              <a:t>Regression Analysis</a:t>
+            </a:r>
+          </a:p>
+          <a:p>
+            <a:endParaRPr lang="en-US" dirty="0"/>
+          </a:p>
+        </p:txBody>
+      </p:sp>
+    </p:spTree>
+    <p:extLst>
+      <p:ext uri="{BB962C8B-B14F-4D97-AF65-F5344CB8AC3E}">
+        <p14:creationId xmlns:p14="http://schemas.microsoft.com/office/powerpoint/2010/main" val="4144207676"/>
+      </p:ext>
+    </p:extLst>
+  </p:cSld>
+  <p:clrMapOvr>
+    <a:masterClrMapping/>
+  </p:clrMapOvr>
+</p:sld>
+</file>
+
+<file path=ppt/slides/slide57.xml><?xml version="1.0" encoding="utf-8"?>
+<p:sld xmlns:a="http://schemas.openxmlformats.org/drawingml/2006/main" xmlns:r="http://schemas.openxmlformats.org/officeDocument/2006/relationships" xmlns:p="http://schemas.openxmlformats.org/presentationml/2006/main">
+  <p:cSld>
+    <p:spTree>
+      <p:nvGrpSpPr>
+        <p:cNvPr id="1" name=""/>
+        <p:cNvGrpSpPr/>
+        <p:nvPr/>
+      </p:nvGrpSpPr>
+      <p:grpSpPr>
+        <a:xfrm>
+          <a:off x="0" y="0"/>
+          <a:ext cx="0" cy="0"/>
+          <a:chOff x="0" y="0"/>
+          <a:chExt cx="0" cy="0"/>
+        </a:xfrm>
+      </p:grpSpPr>
+      <p:sp>
+        <p:nvSpPr>
+          <p:cNvPr id="2" name="Title 1">
+            <a:extLst>
+              <a:ext uri="{FF2B5EF4-FFF2-40B4-BE49-F238E27FC236}">
+                <a16:creationId xmlns:a16="http://schemas.microsoft.com/office/drawing/2014/main" id="{4D5563A0-7551-47D6-812E-BACC41D464BB}"/>
+              </a:ext>
+            </a:extLst>
+          </p:cNvPr>
+          <p:cNvSpPr>
+            <a:spLocks noGrp="1"/>
+          </p:cNvSpPr>
+          <p:nvPr>
+            <p:ph type="title"/>
+          </p:nvPr>
+        </p:nvSpPr>
+        <p:spPr>
+          <a:xfrm>
+            <a:off x="628650" y="365127"/>
+            <a:ext cx="7886700" cy="854074"/>
+          </a:xfrm>
+        </p:spPr>
+        <p:txBody>
+          <a:bodyPr/>
+          <a:lstStyle/>
+          <a:p>
+            <a:r>
+              <a:rPr lang="en-US" dirty="0"/>
+              <a:t>References </a:t>
+            </a:r>
+          </a:p>
+        </p:txBody>
+      </p:sp>
+      <p:sp>
+        <p:nvSpPr>
+          <p:cNvPr id="3" name="Content Placeholder 2">
+            <a:extLst>
+              <a:ext uri="{FF2B5EF4-FFF2-40B4-BE49-F238E27FC236}">
+                <a16:creationId xmlns:a16="http://schemas.microsoft.com/office/drawing/2014/main" id="{528E29DB-5D84-4782-882E-1026913DECA7}"/>
+              </a:ext>
+            </a:extLst>
+          </p:cNvPr>
+          <p:cNvSpPr>
+            <a:spLocks noGrp="1"/>
+          </p:cNvSpPr>
+          <p:nvPr>
+            <p:ph idx="1"/>
+          </p:nvPr>
+        </p:nvSpPr>
+        <p:spPr/>
+        <p:txBody>
+          <a:bodyPr/>
+          <a:lstStyle/>
+          <a:p>
+            <a:pPr>
+              <a:buFont typeface="Wingdings" panose="05000000000000000000" pitchFamily="2" charset="2"/>
+              <a:buChar char="§"/>
+            </a:pPr>
+            <a:r>
+              <a:rPr lang="en-US" dirty="0"/>
+              <a:t>Introduction to Probability and Statistics Using R (</a:t>
+            </a:r>
+            <a:r>
+              <a:rPr lang="en-US" dirty="0" err="1"/>
+              <a:t>Kerns,G</a:t>
+            </a:r>
+            <a:r>
+              <a:rPr lang="en-US" dirty="0"/>
+              <a:t>.)</a:t>
+            </a:r>
+          </a:p>
+          <a:p>
+            <a:pPr marL="0" indent="0">
+              <a:buNone/>
+            </a:pPr>
+            <a:r>
+              <a:rPr lang="en-US" dirty="0">
+                <a:hlinkClick r:id="rId2"/>
+              </a:rPr>
+              <a:t>https://cran.r-project.org/web/packages/IPSUR/vignettes/IPSUR.pdf</a:t>
+            </a:r>
+            <a:endParaRPr lang="en-US" dirty="0"/>
+          </a:p>
+          <a:p>
+            <a:pPr>
+              <a:buFont typeface="Wingdings" panose="05000000000000000000" pitchFamily="2" charset="2"/>
+              <a:buChar char="§"/>
+            </a:pPr>
+            <a:endParaRPr lang="en-US" dirty="0"/>
+          </a:p>
+          <a:p>
+            <a:pPr>
+              <a:buFont typeface="Wingdings" panose="05000000000000000000" pitchFamily="2" charset="2"/>
+              <a:buChar char="§"/>
+            </a:pPr>
+            <a:r>
+              <a:rPr lang="en-US" dirty="0"/>
+              <a:t>Using R for Introductory Statistics (</a:t>
+            </a:r>
+            <a:r>
+              <a:rPr lang="en-US" dirty="0" err="1"/>
+              <a:t>Verzani,J</a:t>
+            </a:r>
+            <a:r>
+              <a:rPr lang="en-US" dirty="0"/>
+              <a:t>.)</a:t>
+            </a:r>
+          </a:p>
+          <a:p>
+            <a:pPr marL="0" indent="0">
+              <a:buNone/>
+            </a:pPr>
+            <a:r>
+              <a:rPr lang="en-US"/>
+              <a:t>https://cran.r-project.org/doc/contrib/Verzani-SimpleR.pdf</a:t>
+            </a:r>
+            <a:endParaRPr lang="en-US" dirty="0"/>
+          </a:p>
+        </p:txBody>
+      </p:sp>
+    </p:spTree>
+    <p:extLst>
+      <p:ext uri="{BB962C8B-B14F-4D97-AF65-F5344CB8AC3E}">
+        <p14:creationId xmlns:p14="http://schemas.microsoft.com/office/powerpoint/2010/main" val="232865692"/>
+      </p:ext>
+    </p:extLst>
+  </p:cSld>
+  <p:clrMapOvr>
+    <a:masterClrMapping/>
+  </p:clrMapOvr>
+</p:sld>
+</file>
+
 <file path=ppt/slides/slide6.xml><?xml version="1.0" encoding="utf-8"?>
 <p:sld xmlns:a="http://schemas.openxmlformats.org/drawingml/2006/main" xmlns:r="http://schemas.openxmlformats.org/officeDocument/2006/relationships" xmlns:p="http://schemas.openxmlformats.org/presentationml/2006/main">
   <p:cSld>
@@ -29467,7 +29987,7 @@
                 <a:latin typeface="Georgia" panose="02040502050405020303" pitchFamily="18" charset="0"/>
                 <a:cs typeface="Times New Roman" panose="02020603050405020304" pitchFamily="18" charset="0"/>
               </a:rPr>
-              <a:t>Discrete - countable number of responses (jumps). E.g. Number of female participants in each boot camp. </a:t>
+              <a:t>Discrete - countable number of responses (jumps). E.g. Number of female / male participants in each boot camp. </a:t>
             </a:r>
           </a:p>
           <a:p>
@@ -29925,7 +30445,31 @@
                 <a:latin typeface="Georgia" panose="02040502050405020303" pitchFamily="18" charset="0"/>
                 <a:cs typeface="Times New Roman" panose="02020603050405020304" pitchFamily="18" charset="0"/>
               </a:rPr>
-              <a:t>- categories that categorical variables fall into or groups that QN data are grouped into. E.g. If we are analyzing data related to gender of each student who has attended the current boot camp then our categorical variable (“Gender”) would have two categories or class i.e. Male or Female </a:t>
+              <a:t>- </a:t>
+            </a:r>
+            <a:r>
+              <a:rPr lang="en-US" sz="2500" b="1" dirty="0">
+                <a:solidFill>
+                  <a:schemeClr val="accent1">
+                    <a:lumMod val="75000"/>
+                  </a:schemeClr>
+                </a:solidFill>
+                <a:latin typeface="Georgia" panose="02040502050405020303" pitchFamily="18" charset="0"/>
+                <a:cs typeface="Times New Roman" panose="02020603050405020304" pitchFamily="18" charset="0"/>
+              </a:rPr>
+              <a:t>categories that categorical variables fall into </a:t>
+            </a:r>
+            <a:r>
+              <a:rPr lang="en-US" sz="2500" dirty="0">
+                <a:solidFill>
+                  <a:schemeClr val="accent1">
+                    <a:lumMod val="75000"/>
+                  </a:schemeClr>
+                </a:solidFill>
+                <a:latin typeface="Georgia" panose="02040502050405020303" pitchFamily="18" charset="0"/>
+                <a:cs typeface="Times New Roman" panose="02020603050405020304" pitchFamily="18" charset="0"/>
+              </a:rPr>
+              <a:t>or groups that QN data are grouped into. E.g. If we are analyzing data related to gender of each student who has attended the current boot camp then our categorical variable (“Gender”) would have two categories or class i.e. Male or Female </a:t>
             </a:r>
           </a:p>
           <a:p>
@@ -30182,7 +30726,7 @@
               <a:rPr lang="en-US" sz="1600" b="1" dirty="0">
                 <a:latin typeface="Georgia" panose="02040502050405020303" pitchFamily="18" charset="0"/>
               </a:rPr>
-              <a:t>Hypothetical Categorical Data:</a:t>
+              <a:t>Hypothetical Categorical Data ’gender’:</a:t>
             </a:r>
           </a:p>
           <a:p>
